--- a/Apresentação Nimbus Final.pptx
+++ b/Apresentação Nimbus Final.pptx
@@ -117,14 +117,6 @@
     </p:ext>
   </p:extLst>
 </p:presentation>
-</file>
-
-<file path=ppt/revisionInfo.xml><?xml version="1.0" encoding="utf-8"?>
-<p1510:revInfo xmlns:a="http://schemas.openxmlformats.org/drawingml/2006/main" xmlns:r="http://schemas.openxmlformats.org/officeDocument/2006/relationships" xmlns:p1510="http://schemas.microsoft.com/office/powerpoint/2015/10/main">
-  <p1510:revLst>
-    <p1510:client id="{0FE97556-E43F-4C26-AD73-66B2C7F7AC41}" v="1653" dt="2023-11-05T23:44:17.948"/>
-  </p1510:revLst>
-</p1510:revInfo>
 </file>
 
 <file path=ppt/slideLayouts/slideLayout1.xml><?xml version="1.0" encoding="utf-8"?>
@@ -9957,7 +9949,7 @@
         <p:spPr>
           <a:xfrm>
             <a:off x="8587154" y="1097656"/>
-            <a:ext cx="3369831" cy="1938992"/>
+            <a:ext cx="3369831" cy="5632311"/>
           </a:xfrm>
           <a:prstGeom prst="rect">
             <a:avLst/>
@@ -9975,7 +9967,16 @@
           <a:p>
             <a:r>
               <a:rPr lang="pt-BR" sz="2000" b="1" dirty="0"/>
-              <a:t>Filtros;</a:t>
+              <a:t>Implementar a tabela.</a:t>
+            </a:r>
+          </a:p>
+          <a:p>
+            <a:endParaRPr lang="pt-BR" sz="2000" b="1" dirty="0"/>
+          </a:p>
+          <a:p>
+            <a:r>
+              <a:rPr lang="pt-BR" sz="2000" b="1" dirty="0"/>
+              <a:t>Implementar o filtro de dados.</a:t>
             </a:r>
             <a:br>
               <a:rPr lang="pt-BR" sz="2000" b="1" dirty="0"/>
@@ -9985,7 +9986,7 @@
             </a:br>
             <a:r>
               <a:rPr lang="pt-BR" sz="2000" b="1" dirty="0"/>
-              <a:t>Exportações em formatos PNG, PDF e JSON;</a:t>
+              <a:t>Exportações em formatos PNG, PDF e JSON.</a:t>
             </a:r>
           </a:p>
           <a:p>
@@ -9994,41 +9995,35 @@
           <a:p>
             <a:r>
               <a:rPr lang="pt-BR" sz="2000" b="1" dirty="0"/>
-              <a:t>Gráfico dinâmico;</a:t>
-            </a:r>
+              <a:t>Implementar o gráfico dinâmico.</a:t>
+            </a:r>
+          </a:p>
+          <a:p>
+            <a:endParaRPr lang="pt-BR" sz="2000" b="1" dirty="0"/>
+          </a:p>
+          <a:p>
+            <a:r>
+              <a:rPr lang="pt-BR" sz="2000" b="1" dirty="0"/>
+              <a:t>Terminar o design das páginas.</a:t>
+            </a:r>
+          </a:p>
+          <a:p>
+            <a:endParaRPr lang="pt-BR" sz="2000" b="1" dirty="0"/>
+          </a:p>
+          <a:p>
+            <a:r>
+              <a:rPr lang="pt-BR" sz="2000" b="1" dirty="0"/>
+              <a:t>Refinar a implementação do mapa dinâmico.</a:t>
+            </a:r>
+          </a:p>
+          <a:p>
+            <a:endParaRPr lang="pt-BR" sz="2000" b="1" dirty="0"/>
+          </a:p>
+          <a:p>
+            <a:endParaRPr lang="pt-BR" sz="2000" b="1" dirty="0"/>
           </a:p>
         </p:txBody>
       </p:sp>
-      <p:pic>
-        <p:nvPicPr>
-          <p:cNvPr id="7" name="Imagem 6" descr="Ícone&#10;&#10;Descrição gerada automaticamente">
-            <a:extLst>
-              <a:ext uri="{FF2B5EF4-FFF2-40B4-BE49-F238E27FC236}">
-                <a16:creationId xmlns:a16="http://schemas.microsoft.com/office/drawing/2014/main" id="{FAF055BC-34DF-F5CF-1386-B8EC91622879}"/>
-              </a:ext>
-            </a:extLst>
-          </p:cNvPr>
-          <p:cNvPicPr>
-            <a:picLocks noChangeAspect="1"/>
-          </p:cNvPicPr>
-          <p:nvPr/>
-        </p:nvPicPr>
-        <p:blipFill>
-          <a:blip r:embed="rId5"/>
-          <a:stretch>
-            <a:fillRect/>
-          </a:stretch>
-        </p:blipFill>
-        <p:spPr>
-          <a:xfrm>
-            <a:off x="8996632" y="3799217"/>
-            <a:ext cx="2307566" cy="2307566"/>
-          </a:xfrm>
-          <a:prstGeom prst="rect">
-            <a:avLst/>
-          </a:prstGeom>
-        </p:spPr>
-      </p:pic>
     </p:spTree>
     <p:extLst>
       <p:ext uri="{BB962C8B-B14F-4D97-AF65-F5344CB8AC3E}">

--- a/Apresentação Nimbus Final.pptx
+++ b/Apresentação Nimbus Final.pptx
@@ -275,7 +275,7 @@
           <a:p>
             <a:fld id="{D341B595-366B-43E2-A22E-EA6A78C03F06}" type="datetimeFigureOut">
               <a:rPr lang="en-US" smtClean="0"/>
-              <a:t>11/8/2023</a:t>
+              <a:t>11/22/2023</a:t>
             </a:fld>
             <a:endParaRPr lang="en-US"/>
           </a:p>
@@ -473,7 +473,7 @@
           <a:p>
             <a:fld id="{D341B595-366B-43E2-A22E-EA6A78C03F06}" type="datetimeFigureOut">
               <a:rPr lang="en-US" smtClean="0"/>
-              <a:t>11/8/2023</a:t>
+              <a:t>11/22/2023</a:t>
             </a:fld>
             <a:endParaRPr lang="en-US"/>
           </a:p>
@@ -682,7 +682,7 @@
           <a:p>
             <a:fld id="{D341B595-366B-43E2-A22E-EA6A78C03F06}" type="datetimeFigureOut">
               <a:rPr lang="en-US" smtClean="0"/>
-              <a:t>11/8/2023</a:t>
+              <a:t>11/22/2023</a:t>
             </a:fld>
             <a:endParaRPr lang="en-US"/>
           </a:p>
@@ -880,7 +880,7 @@
           <a:p>
             <a:fld id="{D341B595-366B-43E2-A22E-EA6A78C03F06}" type="datetimeFigureOut">
               <a:rPr lang="en-US" smtClean="0"/>
-              <a:t>11/8/2023</a:t>
+              <a:t>11/22/2023</a:t>
             </a:fld>
             <a:endParaRPr lang="en-US"/>
           </a:p>
@@ -1158,7 +1158,7 @@
           <a:p>
             <a:fld id="{D341B595-366B-43E2-A22E-EA6A78C03F06}" type="datetimeFigureOut">
               <a:rPr lang="en-US" smtClean="0"/>
-              <a:t>11/8/2023</a:t>
+              <a:t>11/22/2023</a:t>
             </a:fld>
             <a:endParaRPr lang="en-US"/>
           </a:p>
@@ -1426,7 +1426,7 @@
           <a:p>
             <a:fld id="{D341B595-366B-43E2-A22E-EA6A78C03F06}" type="datetimeFigureOut">
               <a:rPr lang="en-US" smtClean="0"/>
-              <a:t>11/8/2023</a:t>
+              <a:t>11/22/2023</a:t>
             </a:fld>
             <a:endParaRPr lang="en-US"/>
           </a:p>
@@ -1845,7 +1845,7 @@
           <a:p>
             <a:fld id="{D341B595-366B-43E2-A22E-EA6A78C03F06}" type="datetimeFigureOut">
               <a:rPr lang="en-US" smtClean="0"/>
-              <a:t>11/8/2023</a:t>
+              <a:t>11/22/2023</a:t>
             </a:fld>
             <a:endParaRPr lang="en-US"/>
           </a:p>
@@ -1986,7 +1986,7 @@
           <a:p>
             <a:fld id="{D341B595-366B-43E2-A22E-EA6A78C03F06}" type="datetimeFigureOut">
               <a:rPr lang="en-US" smtClean="0"/>
-              <a:t>11/8/2023</a:t>
+              <a:t>11/22/2023</a:t>
             </a:fld>
             <a:endParaRPr lang="en-US"/>
           </a:p>
@@ -2099,7 +2099,7 @@
           <a:p>
             <a:fld id="{D341B595-366B-43E2-A22E-EA6A78C03F06}" type="datetimeFigureOut">
               <a:rPr lang="en-US" smtClean="0"/>
-              <a:t>11/8/2023</a:t>
+              <a:t>11/22/2023</a:t>
             </a:fld>
             <a:endParaRPr lang="en-US"/>
           </a:p>
@@ -2414,7 +2414,7 @@
           <a:p>
             <a:fld id="{D341B595-366B-43E2-A22E-EA6A78C03F06}" type="datetimeFigureOut">
               <a:rPr lang="en-US" smtClean="0"/>
-              <a:t>11/8/2023</a:t>
+              <a:t>11/22/2023</a:t>
             </a:fld>
             <a:endParaRPr lang="en-US"/>
           </a:p>
@@ -2708,7 +2708,7 @@
           <a:p>
             <a:fld id="{D341B595-366B-43E2-A22E-EA6A78C03F06}" type="datetimeFigureOut">
               <a:rPr lang="en-US" smtClean="0"/>
-              <a:t>11/8/2023</a:t>
+              <a:t>11/22/2023</a:t>
             </a:fld>
             <a:endParaRPr lang="en-US"/>
           </a:p>
@@ -2948,7 +2948,7 @@
           <a:p>
             <a:fld id="{D341B595-366B-43E2-A22E-EA6A78C03F06}" type="datetimeFigureOut">
               <a:rPr lang="en-US" smtClean="0"/>
-              <a:t>11/8/2023</a:t>
+              <a:t>11/22/2023</a:t>
             </a:fld>
             <a:endParaRPr lang="en-US"/>
           </a:p>
@@ -3458,7 +3458,7 @@
                   <a:spcPts val="600"/>
                 </a:spcAft>
               </a:pPr>
-              <a:t>11/8/2023</a:t>
+              <a:t>11/22/2023</a:t>
             </a:fld>
             <a:endParaRPr lang="en-US" dirty="0"/>
           </a:p>
@@ -3806,7 +3806,7 @@
                   <a:spcPts val="600"/>
                 </a:spcAft>
               </a:pPr>
-              <a:t>11/8/2023</a:t>
+              <a:t>11/22/2023</a:t>
             </a:fld>
             <a:endParaRPr lang="en-US" dirty="0"/>
           </a:p>
@@ -3923,7 +3923,7 @@
                   <a:spcPts val="600"/>
                 </a:spcAft>
               </a:pPr>
-              <a:t>11/8/2023</a:t>
+              <a:t>11/22/2023</a:t>
             </a:fld>
             <a:endParaRPr lang="en-US"/>
           </a:p>
@@ -6055,7 +6055,7 @@
                   <a:spcPts val="600"/>
                 </a:spcAft>
               </a:pPr>
-              <a:t>11/8/2023</a:t>
+              <a:t>11/22/2023</a:t>
             </a:fld>
             <a:endParaRPr lang="en-US" dirty="0"/>
           </a:p>
@@ -8923,7 +8923,7 @@
                   <a:spcPts val="600"/>
                 </a:spcAft>
               </a:pPr>
-              <a:t>11/8/2023</a:t>
+              <a:t>11/22/2023</a:t>
             </a:fld>
             <a:endParaRPr lang="en-US"/>
           </a:p>
@@ -9768,7 +9768,7 @@
                 <a:ea typeface="+mn-lt"/>
                 <a:cs typeface="+mn-lt"/>
               </a:rPr>
-              <a:t>Repositorio</a:t>
+              <a:t>Repositório</a:t>
             </a:r>
             <a:r>
               <a:rPr lang="en-US" sz="1800" b="1" dirty="0">
@@ -9848,182 +9848,42 @@
                   <a:spcPts val="600"/>
                 </a:spcAft>
               </a:pPr>
-              <a:t>11/8/2023</a:t>
+              <a:t>11/22/2023</a:t>
             </a:fld>
             <a:endParaRPr lang="en-US"/>
           </a:p>
         </p:txBody>
       </p:sp>
-      <p:cxnSp>
-        <p:nvCxnSpPr>
-          <p:cNvPr id="4" name="Conector de Seta Reta 3">
+      <p:pic>
+        <p:nvPicPr>
+          <p:cNvPr id="9" name="Imagem 8" descr="Logotipo, nome da empresa&#10;&#10;Descrição gerada automaticamente">
             <a:extLst>
               <a:ext uri="{FF2B5EF4-FFF2-40B4-BE49-F238E27FC236}">
-                <a16:creationId xmlns:a16="http://schemas.microsoft.com/office/drawing/2014/main" id="{16C8A917-C60B-A225-0526-079F0CEE8D44}"/>
+                <a16:creationId xmlns:a16="http://schemas.microsoft.com/office/drawing/2014/main" id="{494970FE-FD9B-48BF-BE39-CE3ACC053A23}"/>
               </a:ext>
             </a:extLst>
           </p:cNvPr>
-          <p:cNvCxnSpPr>
-            <a:cxnSpLocks/>
-          </p:cNvCxnSpPr>
+          <p:cNvPicPr>
+            <a:picLocks noChangeAspect="1"/>
+          </p:cNvPicPr>
           <p:nvPr/>
-        </p:nvCxnSpPr>
+        </p:nvPicPr>
+        <p:blipFill>
+          <a:blip r:embed="rId5"/>
+          <a:stretch>
+            <a:fillRect/>
+          </a:stretch>
+        </p:blipFill>
         <p:spPr>
-          <a:xfrm>
-            <a:off x="8128811" y="242829"/>
-            <a:ext cx="0" cy="6454834"/>
-          </a:xfrm>
-          <a:prstGeom prst="straightConnector1">
-            <a:avLst/>
-          </a:prstGeom>
-        </p:spPr>
-        <p:style>
-          <a:lnRef idx="1">
-            <a:schemeClr val="accent1"/>
-          </a:lnRef>
-          <a:fillRef idx="0">
-            <a:schemeClr val="accent1"/>
-          </a:fillRef>
-          <a:effectRef idx="0">
-            <a:schemeClr val="accent1"/>
-          </a:effectRef>
-          <a:fontRef idx="minor">
-            <a:schemeClr val="tx1"/>
-          </a:fontRef>
-        </p:style>
-      </p:cxnSp>
-      <p:sp>
-        <p:nvSpPr>
-          <p:cNvPr id="5" name="CaixaDeTexto 4">
-            <a:extLst>
-              <a:ext uri="{FF2B5EF4-FFF2-40B4-BE49-F238E27FC236}">
-                <a16:creationId xmlns:a16="http://schemas.microsoft.com/office/drawing/2014/main" id="{2C91A0AB-23E2-5C1C-B209-65235F78263A}"/>
-              </a:ext>
-            </a:extLst>
-          </p:cNvPr>
-          <p:cNvSpPr txBox="1"/>
-          <p:nvPr/>
-        </p:nvSpPr>
-        <p:spPr>
-          <a:xfrm>
-            <a:off x="8492061" y="246398"/>
-            <a:ext cx="2995448" cy="523220"/>
+          <a:xfrm rot="16200000">
+            <a:off x="8591076" y="2541271"/>
+            <a:ext cx="5294587" cy="1775456"/>
           </a:xfrm>
           <a:prstGeom prst="rect">
             <a:avLst/>
           </a:prstGeom>
-          <a:noFill/>
         </p:spPr>
-        <p:txBody>
-          <a:bodyPr rot="0" spcFirstLastPara="0" vertOverflow="overflow" horzOverflow="overflow" vert="horz" wrap="square" lIns="91440" tIns="45720" rIns="91440" bIns="45720" numCol="1" spcCol="0" rtlCol="0" fromWordArt="0" anchor="t" anchorCtr="0" forceAA="0" compatLnSpc="1">
-            <a:prstTxWarp prst="textNoShape">
-              <a:avLst/>
-            </a:prstTxWarp>
-            <a:spAutoFit/>
-          </a:bodyPr>
-          <a:lstStyle/>
-          <a:p>
-            <a:r>
-              <a:rPr lang="pt-BR" sz="2800" b="1" dirty="0">
-                <a:solidFill>
-                  <a:srgbClr val="065F9E"/>
-                </a:solidFill>
-              </a:rPr>
-              <a:t>O que ainda falta:</a:t>
-            </a:r>
-          </a:p>
-        </p:txBody>
-      </p:sp>
-      <p:sp>
-        <p:nvSpPr>
-          <p:cNvPr id="6" name="CaixaDeTexto 5">
-            <a:extLst>
-              <a:ext uri="{FF2B5EF4-FFF2-40B4-BE49-F238E27FC236}">
-                <a16:creationId xmlns:a16="http://schemas.microsoft.com/office/drawing/2014/main" id="{0FA9622D-DAD4-945B-541D-4B26BD46513A}"/>
-              </a:ext>
-            </a:extLst>
-          </p:cNvPr>
-          <p:cNvSpPr txBox="1"/>
-          <p:nvPr/>
-        </p:nvSpPr>
-        <p:spPr>
-          <a:xfrm>
-            <a:off x="8587154" y="1097656"/>
-            <a:ext cx="3369831" cy="5632311"/>
-          </a:xfrm>
-          <a:prstGeom prst="rect">
-            <a:avLst/>
-          </a:prstGeom>
-          <a:noFill/>
-        </p:spPr>
-        <p:txBody>
-          <a:bodyPr rot="0" spcFirstLastPara="0" vertOverflow="overflow" horzOverflow="overflow" vert="horz" wrap="square" lIns="91440" tIns="45720" rIns="91440" bIns="45720" numCol="1" spcCol="0" rtlCol="0" fromWordArt="0" anchor="t" anchorCtr="0" forceAA="0" compatLnSpc="1">
-            <a:prstTxWarp prst="textNoShape">
-              <a:avLst/>
-            </a:prstTxWarp>
-            <a:spAutoFit/>
-          </a:bodyPr>
-          <a:lstStyle/>
-          <a:p>
-            <a:r>
-              <a:rPr lang="pt-BR" sz="2000" b="1" dirty="0"/>
-              <a:t>Implementar a tabela.</a:t>
-            </a:r>
-          </a:p>
-          <a:p>
-            <a:endParaRPr lang="pt-BR" sz="2000" b="1" dirty="0"/>
-          </a:p>
-          <a:p>
-            <a:r>
-              <a:rPr lang="pt-BR" sz="2000" b="1" dirty="0"/>
-              <a:t>Implementar o filtro de dados.</a:t>
-            </a:r>
-            <a:br>
-              <a:rPr lang="pt-BR" sz="2000" b="1" dirty="0"/>
-            </a:br>
-            <a:br>
-              <a:rPr lang="pt-BR" sz="2000" b="1" dirty="0"/>
-            </a:br>
-            <a:r>
-              <a:rPr lang="pt-BR" sz="2000" b="1" dirty="0"/>
-              <a:t>Exportações em formatos PNG, PDF e JSON.</a:t>
-            </a:r>
-          </a:p>
-          <a:p>
-            <a:endParaRPr lang="pt-BR" sz="2000" b="1" dirty="0"/>
-          </a:p>
-          <a:p>
-            <a:r>
-              <a:rPr lang="pt-BR" sz="2000" b="1" dirty="0"/>
-              <a:t>Implementar o gráfico dinâmico.</a:t>
-            </a:r>
-          </a:p>
-          <a:p>
-            <a:endParaRPr lang="pt-BR" sz="2000" b="1" dirty="0"/>
-          </a:p>
-          <a:p>
-            <a:r>
-              <a:rPr lang="pt-BR" sz="2000" b="1" dirty="0"/>
-              <a:t>Terminar o design das páginas.</a:t>
-            </a:r>
-          </a:p>
-          <a:p>
-            <a:endParaRPr lang="pt-BR" sz="2000" b="1" dirty="0"/>
-          </a:p>
-          <a:p>
-            <a:r>
-              <a:rPr lang="pt-BR" sz="2000" b="1" dirty="0"/>
-              <a:t>Refinar a implementação do mapa dinâmico.</a:t>
-            </a:r>
-          </a:p>
-          <a:p>
-            <a:endParaRPr lang="pt-BR" sz="2000" b="1" dirty="0"/>
-          </a:p>
-          <a:p>
-            <a:endParaRPr lang="pt-BR" sz="2000" b="1" dirty="0"/>
-          </a:p>
-        </p:txBody>
-      </p:sp>
+      </p:pic>
     </p:spTree>
     <p:extLst>
       <p:ext uri="{BB962C8B-B14F-4D97-AF65-F5344CB8AC3E}">
